--- a/StartHacKyoung(Portfolio)/resources/assets/file/portfolio.pptx
+++ b/StartHacKyoung(Portfolio)/resources/assets/file/portfolio.pptx
@@ -2,7 +2,7 @@
 <file path=ppt/presentation.xml><?xml version="1.0" encoding="utf-8"?>
 <p:presentation xmlns:r="http://schemas.openxmlformats.org/officeDocument/2006/relationships" xmlns:c="http://schemas.openxmlformats.org/drawingml/2006/chart" xmlns:a="http://schemas.openxmlformats.org/drawingml/2006/main" xmlns:dgm="http://schemas.openxmlformats.org/drawingml/2006/diagram" xmlns:dsp="http://schemas.microsoft.com/office/drawing/2008/diagram" xmlns:p="http://schemas.openxmlformats.org/presentationml/2006/main" firstSlideNum="0" embedTrueTypeFonts="1" saveSubsetFonts="1">
   <p:sldMasterIdLst>
-    <p:sldMasterId id="2147483666" r:id="rId1"/>
+    <p:sldMasterId id="2147483662" r:id="rId1"/>
   </p:sldMasterIdLst>
   <p:sldIdLst>
     <p:sldId id="256" r:id="rId2"/>
@@ -3164,7 +3164,7 @@
 </file>
 
 <file path=ppt/slides/slide1.xml><?xml version="1.0" encoding="utf-8"?>
-<p:sld xmlns:a="http://schemas.openxmlformats.org/drawingml/2006/main" xmlns:r="http://schemas.openxmlformats.org/officeDocument/2006/relationships" xmlns:p="http://schemas.openxmlformats.org/presentationml/2006/main">
+<p:sld xmlns:r="http://schemas.openxmlformats.org/officeDocument/2006/relationships" xmlns:c="http://schemas.openxmlformats.org/drawingml/2006/chart" xmlns:a="http://schemas.openxmlformats.org/drawingml/2006/main" xmlns:dgm="http://schemas.openxmlformats.org/drawingml/2006/diagram" xmlns:dsp="http://schemas.microsoft.com/office/drawing/2008/diagram" xmlns:p="http://schemas.openxmlformats.org/presentationml/2006/main">
   <p:cSld>
     <p:spTree>
       <p:nvGrpSpPr>
@@ -3195,7 +3195,7 @@
             <a:avLst/>
           </a:prstGeom>
           <a:solidFill>
-            <a:srgbClr val="FF6E57"/>
+            <a:srgbClr val="ff6e57"/>
           </a:solidFill>
           <a:ln>
             <a:noFill/>
@@ -3218,13 +3218,15 @@
           </a:fontRef>
         </p:style>
         <p:txBody>
-          <a:bodyPr rtlCol="0" anchor="ctr"/>
+          <a:bodyPr anchor="ctr"/>
           <a:lstStyle/>
           <a:p>
-            <a:pPr algn="ctr"/>
-            <a:endParaRPr lang="ko-KR" altLang="en-US" dirty="0">
-              <a:latin typeface="배달의민족 한나" pitchFamily="2" charset="-127"/>
-              <a:ea typeface="배달의민족 한나" pitchFamily="2" charset="-127"/>
+            <a:pPr algn="ctr">
+              <a:defRPr lang="ko-KR" altLang="en-US"/>
+            </a:pPr>
+            <a:endParaRPr lang="ko-KR" altLang="en-US">
+              <a:latin typeface="배달의민족 한나"/>
+              <a:ea typeface="배달의민족 한나"/>
             </a:endParaRPr>
           </a:p>
         </p:txBody>
@@ -3236,7 +3238,7 @@
           <p:nvPr/>
         </p:nvGrpSpPr>
         <p:grpSpPr>
-          <a:xfrm>
+          <a:xfrm rot="0">
             <a:off x="142844" y="1714488"/>
             <a:ext cx="8856984" cy="72008"/>
             <a:chOff x="179512" y="188640"/>
@@ -3259,7 +3261,7 @@
             </a:prstGeom>
             <a:ln>
               <a:solidFill>
-                <a:srgbClr val="FF6E57"/>
+                <a:srgbClr val="ff6e57"/>
               </a:solidFill>
             </a:ln>
           </p:spPr>
@@ -3294,7 +3296,7 @@
             </a:prstGeom>
             <a:ln w="38100">
               <a:solidFill>
-                <a:srgbClr val="FF6E57"/>
+                <a:srgbClr val="ff6e57"/>
               </a:solidFill>
             </a:ln>
           </p:spPr>
@@ -3321,7 +3323,7 @@
           <p:nvPr/>
         </p:nvGrpSpPr>
         <p:grpSpPr>
-          <a:xfrm>
+          <a:xfrm rot="0">
             <a:off x="142844" y="2857496"/>
             <a:ext cx="8856984" cy="72008"/>
             <a:chOff x="179512" y="6597352"/>
@@ -3344,7 +3346,7 @@
             </a:prstGeom>
             <a:ln>
               <a:solidFill>
-                <a:srgbClr val="FF6E57"/>
+                <a:srgbClr val="ff6e57"/>
               </a:solidFill>
             </a:ln>
           </p:spPr>
@@ -3379,7 +3381,7 @@
             </a:prstGeom>
             <a:ln w="38100">
               <a:solidFill>
-                <a:srgbClr val="FF6E57"/>
+                <a:srgbClr val="ff6e57"/>
               </a:solidFill>
             </a:ln>
           </p:spPr>
@@ -3407,7 +3409,7 @@
           </p:cNvSpPr>
           <p:nvPr/>
         </p:nvSpPr>
-        <p:spPr bwMode="auto">
+        <p:spPr>
           <a:xfrm>
             <a:off x="0" y="0"/>
             <a:ext cx="184731" cy="369332"/>
@@ -3418,21 +3420,19 @@
           <a:noFill/>
           <a:ln w="9525">
             <a:noFill/>
-            <a:miter lim="800000"/>
-            <a:headEnd/>
-            <a:tailEnd/>
+            <a:miter/>
           </a:ln>
           <a:effectLst/>
         </p:spPr>
         <p:txBody>
-          <a:bodyPr vert="horz" wrap="none" lIns="91440" tIns="45720" rIns="91440" bIns="45720" numCol="1" anchor="ctr" anchorCtr="0" compatLnSpc="1">
-            <a:prstTxWarp prst="textNoShape">
-              <a:avLst/>
-            </a:prstTxWarp>
+          <a:bodyPr vert="horz" wrap="none" lIns="91440" tIns="45720" rIns="91440" bIns="45720" anchor="ctr" anchorCtr="0">
             <a:spAutoFit/>
           </a:bodyPr>
           <a:lstStyle/>
           <a:p>
+            <a:pPr lvl="0">
+              <a:defRPr lang="ko-KR" altLang="en-US"/>
+            </a:pPr>
             <a:endParaRPr lang="ko-KR" altLang="en-US"/>
           </a:p>
         </p:txBody>
@@ -3445,7 +3445,7 @@
           </p:cNvSpPr>
           <p:nvPr/>
         </p:nvSpPr>
-        <p:spPr bwMode="auto">
+        <p:spPr>
           <a:xfrm>
             <a:off x="649132" y="1714488"/>
             <a:ext cx="7772400" cy="1101725"/>
@@ -3456,20 +3456,14 @@
           <a:noFill/>
           <a:ln w="9525">
             <a:noFill/>
-            <a:miter lim="800000"/>
-            <a:headEnd/>
-            <a:tailEnd/>
+            <a:miter/>
           </a:ln>
         </p:spPr>
         <p:txBody>
-          <a:bodyPr vert="horz" wrap="square" lIns="91440" tIns="45720" rIns="91440" bIns="45720" numCol="1" anchor="ctr" anchorCtr="0" compatLnSpc="1">
-            <a:prstTxWarp prst="textNoShape">
-              <a:avLst/>
-            </a:prstTxWarp>
-          </a:bodyPr>
+          <a:bodyPr vert="horz" wrap="square" lIns="91440" tIns="45720" rIns="91440" bIns="45720" anchor="ctr" anchorCtr="0"/>
           <a:lstStyle/>
           <a:p>
-            <a:pPr marL="0" marR="0" lvl="0" indent="0" algn="ctr" defTabSz="914400" rtl="0" eaLnBrk="1" fontAlgn="base" latinLnBrk="1" hangingPunct="1">
+            <a:pPr marL="0" lvl="0" indent="0" algn="ctr" defTabSz="900000" eaLnBrk="1" latinLnBrk="1" hangingPunct="1">
               <a:lnSpc>
                 <a:spcPct val="100000"/>
               </a:lnSpc>
@@ -3480,37 +3474,27 @@
                 <a:spcPct val="0"/>
               </a:spcAft>
               <a:buClrTx/>
-              <a:buSzTx/>
-              <a:buFontTx/>
               <a:buNone/>
-              <a:tabLst/>
+              <a:defRPr lang="ko-KR" altLang="en-US"/>
             </a:pPr>
             <a:r>
-              <a:rPr kumimoji="1" lang="en-US" altLang="ko-KR" sz="5500" b="0" i="0" u="none" strike="noStrike" cap="none" normalizeH="0" baseline="0" dirty="0" smtClean="0">
-                <a:ln>
-                  <a:noFill/>
-                </a:ln>
+              <a:rPr lang="en-US" altLang="ko-KR" sz="5500" b="0" i="0" u="none">
                 <a:solidFill>
                   <a:srgbClr val="000000"/>
                 </a:solidFill>
-                <a:effectLst/>
-                <a:latin typeface="HY견고딕" pitchFamily="18" charset="-127"/>
-                <a:ea typeface="HY견고딕" pitchFamily="18" charset="-127"/>
-                <a:cs typeface="Vrinda" pitchFamily="34" charset="0"/>
+                <a:latin typeface="HY견고딕"/>
+                <a:ea typeface="HY견고딕"/>
+                <a:cs typeface="Vrinda"/>
               </a:rPr>
               <a:t>Portfolio</a:t>
             </a:r>
-            <a:endParaRPr kumimoji="1" lang="en-US" altLang="ko-KR" sz="5500" b="0" i="0" u="none" strike="noStrike" cap="none" normalizeH="0" baseline="0" dirty="0" smtClean="0">
-              <a:ln>
-                <a:noFill/>
-              </a:ln>
+            <a:endParaRPr lang="en-US" altLang="ko-KR" sz="5500" b="0" i="0" u="none">
               <a:solidFill>
                 <a:schemeClr val="tx1"/>
               </a:solidFill>
-              <a:effectLst/>
-              <a:latin typeface="HY견고딕" pitchFamily="18" charset="-127"/>
-              <a:ea typeface="HY견고딕" pitchFamily="18" charset="-127"/>
-              <a:cs typeface="Vrinda" pitchFamily="34" charset="0"/>
+              <a:latin typeface="HY견고딕"/>
+              <a:ea typeface="HY견고딕"/>
+              <a:cs typeface="Vrinda"/>
             </a:endParaRPr>
           </a:p>
         </p:txBody>
@@ -3522,7 +3506,7 @@
           <p:nvPr/>
         </p:nvGrpSpPr>
         <p:grpSpPr>
-          <a:xfrm>
+          <a:xfrm rot="0">
             <a:off x="2143108" y="3929066"/>
             <a:ext cx="5008856" cy="72008"/>
             <a:chOff x="179512" y="6597352"/>
@@ -3545,7 +3529,7 @@
             </a:prstGeom>
             <a:ln>
               <a:solidFill>
-                <a:srgbClr val="FF6E57"/>
+                <a:srgbClr val="ff6e57"/>
               </a:solidFill>
             </a:ln>
           </p:spPr>
@@ -3580,7 +3564,7 @@
             </a:prstGeom>
             <a:ln w="38100">
               <a:solidFill>
-                <a:srgbClr val="FF6E57"/>
+                <a:srgbClr val="ff6e57"/>
               </a:solidFill>
             </a:ln>
           </p:spPr>
@@ -3608,9 +3592,9 @@
           </p:cNvSpPr>
           <p:nvPr/>
         </p:nvSpPr>
-        <p:spPr bwMode="auto">
-          <a:xfrm>
-            <a:off x="1857356" y="2898779"/>
+        <p:spPr>
+          <a:xfrm>
+            <a:off x="1857356" y="2852936"/>
             <a:ext cx="5643602" cy="1101725"/>
           </a:xfrm>
           <a:prstGeom prst="rect">
@@ -3619,20 +3603,14 @@
           <a:noFill/>
           <a:ln w="9525">
             <a:noFill/>
-            <a:miter lim="800000"/>
-            <a:headEnd/>
-            <a:tailEnd/>
+            <a:miter/>
           </a:ln>
         </p:spPr>
         <p:txBody>
-          <a:bodyPr vert="horz" wrap="square" lIns="91440" tIns="45720" rIns="91440" bIns="45720" numCol="1" anchor="ctr" anchorCtr="0" compatLnSpc="1">
-            <a:prstTxWarp prst="textNoShape">
-              <a:avLst/>
-            </a:prstTxWarp>
-          </a:bodyPr>
+          <a:bodyPr vert="horz" wrap="square" lIns="91440" tIns="45720" rIns="91440" bIns="45720" anchor="ctr" anchorCtr="0"/>
           <a:lstStyle/>
           <a:p>
-            <a:pPr marL="0" marR="0" lvl="0" indent="0" algn="ctr" defTabSz="914400" rtl="0" eaLnBrk="1" fontAlgn="base" latinLnBrk="1" hangingPunct="1">
+            <a:pPr marL="0" lvl="0" indent="0" algn="ctr" defTabSz="900000" eaLnBrk="1" latinLnBrk="1" hangingPunct="1">
               <a:lnSpc>
                 <a:spcPct val="100000"/>
               </a:lnSpc>
@@ -3643,67 +3621,38 @@
                 <a:spcPct val="0"/>
               </a:spcAft>
               <a:buClrTx/>
-              <a:buSzTx/>
-              <a:buFontTx/>
               <a:buNone/>
-              <a:tabLst/>
+              <a:defRPr lang="ko-KR" altLang="en-US"/>
             </a:pPr>
             <a:r>
-              <a:rPr kumimoji="1" lang="en-US" altLang="ko-KR" sz="4000" b="0" i="0" u="none" strike="noStrike" cap="none" normalizeH="0" baseline="0" dirty="0" smtClean="0">
-                <a:ln>
-                  <a:noFill/>
-                </a:ln>
+              <a:rPr lang="en-US" altLang="ko-KR" sz="4000" b="0" i="0" u="none">
                 <a:solidFill>
                   <a:srgbClr val="000000"/>
                 </a:solidFill>
-                <a:effectLst/>
-                <a:latin typeface="HY견고딕" pitchFamily="18" charset="-127"/>
-                <a:ea typeface="HY견고딕" pitchFamily="18" charset="-127"/>
-                <a:cs typeface="Vrinda" pitchFamily="34" charset="0"/>
-              </a:rPr>
-              <a:t>Developer</a:t>
-            </a:r>
-            <a:r>
-              <a:rPr kumimoji="1" lang="en-US" altLang="ko-KR" sz="4000" b="0" i="0" u="none" strike="noStrike" cap="none" normalizeH="0" dirty="0" smtClean="0">
-                <a:ln>
-                  <a:noFill/>
-                </a:ln>
+                <a:latin typeface="HY견고딕"/>
+                <a:ea typeface="HY견고딕"/>
+                <a:cs typeface="Vrinda"/>
+              </a:rPr>
+              <a:t>Developer - </a:t>
+            </a:r>
+            <a:r>
+              <a:rPr lang="ko-KR" altLang="en-US" sz="4000" b="0" i="0" u="none">
                 <a:solidFill>
                   <a:srgbClr val="000000"/>
                 </a:solidFill>
-                <a:effectLst/>
-                <a:latin typeface="HY견고딕" pitchFamily="18" charset="-127"/>
-                <a:ea typeface="HY견고딕" pitchFamily="18" charset="-127"/>
-                <a:cs typeface="Vrinda" pitchFamily="34" charset="0"/>
-              </a:rPr>
-              <a:t> - </a:t>
-            </a:r>
-            <a:r>
-              <a:rPr kumimoji="1" lang="ko-KR" altLang="en-US" sz="4000" b="0" i="0" u="none" strike="noStrike" cap="none" normalizeH="0" dirty="0" smtClean="0">
-                <a:ln>
-                  <a:noFill/>
-                </a:ln>
-                <a:solidFill>
-                  <a:srgbClr val="000000"/>
-                </a:solidFill>
-                <a:effectLst/>
-                <a:latin typeface="HY견고딕" pitchFamily="18" charset="-127"/>
-                <a:ea typeface="HY견고딕" pitchFamily="18" charset="-127"/>
-                <a:cs typeface="Vrinda" pitchFamily="34" charset="0"/>
+                <a:latin typeface="HY견고딕"/>
+                <a:ea typeface="HY견고딕"/>
+                <a:cs typeface="Vrinda"/>
               </a:rPr>
               <a:t>한경종</a:t>
             </a:r>
-            <a:endParaRPr kumimoji="1" lang="en-US" altLang="ko-KR" sz="4000" b="0" i="0" u="none" strike="noStrike" cap="none" normalizeH="0" baseline="0" dirty="0" smtClean="0">
-              <a:ln>
-                <a:noFill/>
-              </a:ln>
+            <a:endParaRPr lang="en-US" altLang="ko-KR" sz="4000" b="0" i="0" u="none">
               <a:solidFill>
                 <a:schemeClr val="tx1"/>
               </a:solidFill>
-              <a:effectLst/>
-              <a:latin typeface="HY견고딕" pitchFamily="18" charset="-127"/>
-              <a:ea typeface="HY견고딕" pitchFamily="18" charset="-127"/>
-              <a:cs typeface="Vrinda" pitchFamily="34" charset="0"/>
+              <a:latin typeface="HY견고딕"/>
+              <a:ea typeface="HY견고딕"/>
+              <a:cs typeface="Vrinda"/>
             </a:endParaRPr>
           </a:p>
         </p:txBody>
@@ -3715,7 +3664,7 @@
           <p:nvPr/>
         </p:nvGrpSpPr>
         <p:grpSpPr>
-          <a:xfrm>
+          <a:xfrm rot="0">
             <a:off x="142844" y="1713918"/>
             <a:ext cx="8856984" cy="72008"/>
             <a:chOff x="179512" y="188640"/>
@@ -3738,7 +3687,7 @@
             </a:prstGeom>
             <a:ln>
               <a:solidFill>
-                <a:srgbClr val="FF6E57"/>
+                <a:srgbClr val="ff6e57"/>
               </a:solidFill>
             </a:ln>
           </p:spPr>
@@ -3773,7 +3722,7 @@
             </a:prstGeom>
             <a:ln w="38100">
               <a:solidFill>
-                <a:srgbClr val="FF6E57"/>
+                <a:srgbClr val="ff6e57"/>
               </a:solidFill>
             </a:ln>
           </p:spPr>
@@ -3800,7 +3749,7 @@
           <p:nvPr/>
         </p:nvGrpSpPr>
         <p:grpSpPr>
-          <a:xfrm>
+          <a:xfrm rot="0">
             <a:off x="142844" y="2856926"/>
             <a:ext cx="8856984" cy="72008"/>
             <a:chOff x="179512" y="6597352"/>
@@ -3823,7 +3772,7 @@
             </a:prstGeom>
             <a:ln>
               <a:solidFill>
-                <a:srgbClr val="FF6E57"/>
+                <a:srgbClr val="ff6e57"/>
               </a:solidFill>
             </a:ln>
           </p:spPr>
@@ -3858,7 +3807,7 @@
             </a:prstGeom>
             <a:ln w="38100">
               <a:solidFill>
-                <a:srgbClr val="FF6E57"/>
+                <a:srgbClr val="ff6e57"/>
               </a:solidFill>
             </a:ln>
           </p:spPr>
@@ -3886,7 +3835,7 @@
           </p:cNvSpPr>
           <p:nvPr/>
         </p:nvSpPr>
-        <p:spPr bwMode="auto">
+        <p:spPr>
           <a:xfrm>
             <a:off x="0" y="1357322"/>
             <a:ext cx="184731" cy="369332"/>
@@ -3897,24 +3846,241 @@
           <a:noFill/>
           <a:ln w="9525">
             <a:noFill/>
-            <a:miter lim="800000"/>
-            <a:headEnd/>
-            <a:tailEnd/>
+            <a:miter/>
           </a:ln>
           <a:effectLst/>
         </p:spPr>
         <p:txBody>
-          <a:bodyPr vert="horz" wrap="none" lIns="91440" tIns="45720" rIns="91440" bIns="45720" numCol="1" anchor="ctr" anchorCtr="0" compatLnSpc="1">
-            <a:prstTxWarp prst="textNoShape">
-              <a:avLst/>
-            </a:prstTxWarp>
+          <a:bodyPr vert="horz" wrap="none" lIns="91440" tIns="45720" rIns="91440" bIns="45720" anchor="ctr" anchorCtr="0">
             <a:spAutoFit/>
           </a:bodyPr>
           <a:lstStyle/>
           <a:p>
+            <a:pPr lvl="0">
+              <a:defRPr lang="ko-KR" altLang="en-US"/>
+            </a:pPr>
             <a:endParaRPr lang="ko-KR" altLang="en-US">
-              <a:latin typeface="HY견고딕" pitchFamily="18" charset="-127"/>
-              <a:ea typeface="HY견고딕" pitchFamily="18" charset="-127"/>
+              <a:latin typeface="HY견고딕"/>
+              <a:ea typeface="HY견고딕"/>
+            </a:endParaRPr>
+          </a:p>
+        </p:txBody>
+      </p:sp>
+      <p:sp>
+        <p:nvSpPr>
+          <p:cNvPr id="6147" name="_x497122096"/>
+          <p:cNvSpPr>
+            <a:spLocks noChangeArrowheads="1"/>
+          </p:cNvSpPr>
+          <p:nvPr/>
+        </p:nvSpPr>
+        <p:spPr>
+          <a:xfrm>
+            <a:off x="1835696" y="3645024"/>
+            <a:ext cx="5643602" cy="1101725"/>
+          </a:xfrm>
+          <a:prstGeom prst="rect">
+            <a:avLst/>
+          </a:prstGeom>
+          <a:noFill/>
+          <a:ln w="9525">
+            <a:noFill/>
+            <a:miter/>
+          </a:ln>
+        </p:spPr>
+        <p:txBody>
+          <a:bodyPr vert="horz" wrap="square" lIns="91440" tIns="45720" rIns="91440" bIns="45720" anchor="ctr" anchorCtr="0"/>
+          <a:lstStyle/>
+          <a:p>
+            <a:pPr marL="0" lvl="0" indent="0" algn="ctr" defTabSz="871876" eaLnBrk="1" latinLnBrk="1" hangingPunct="1">
+              <a:lnSpc>
+                <a:spcPct val="100000"/>
+              </a:lnSpc>
+              <a:spcBef>
+                <a:spcPct val="0"/>
+              </a:spcBef>
+              <a:spcAft>
+                <a:spcPct val="0"/>
+              </a:spcAft>
+              <a:buClrTx/>
+              <a:buNone/>
+              <a:defRPr lang="ko-KR" altLang="en-US"/>
+            </a:pPr>
+            <a:r>
+              <a:rPr lang="en-US" altLang="ko-KR" sz="1500" b="0" i="0" u="none">
+                <a:solidFill>
+                  <a:srgbClr val="000000"/>
+                </a:solidFill>
+                <a:latin typeface="HY견고딕"/>
+                <a:ea typeface="HY견고딕"/>
+                <a:cs typeface="Vrinda"/>
+                <a:hlinkClick r:id="rId2"/>
+              </a:rPr>
+              <a:t>http://hankyoungjong.github.io/StartHacKyoung(Portfolio)/</a:t>
+            </a:r>
+            <a:endParaRPr lang="en-US" altLang="ko-KR" sz="1500" b="0" i="0" u="none">
+              <a:solidFill>
+                <a:srgbClr val="000000"/>
+              </a:solidFill>
+              <a:latin typeface="HY견고딕"/>
+              <a:ea typeface="HY견고딕"/>
+              <a:cs typeface="Vrinda"/>
+            </a:endParaRPr>
+          </a:p>
+          <a:p>
+            <a:pPr marL="0" lvl="0" indent="0" algn="ctr" defTabSz="871876" eaLnBrk="1" latinLnBrk="1" hangingPunct="1">
+              <a:lnSpc>
+                <a:spcPct val="100000"/>
+              </a:lnSpc>
+              <a:spcBef>
+                <a:spcPct val="0"/>
+              </a:spcBef>
+              <a:spcAft>
+                <a:spcPct val="0"/>
+              </a:spcAft>
+              <a:buClrTx/>
+              <a:buNone/>
+              <a:defRPr lang="ko-KR" altLang="en-US"/>
+            </a:pPr>
+            <a:endParaRPr lang="en-US" altLang="ko-KR" sz="1500" b="0" i="0" u="none">
+              <a:solidFill>
+                <a:srgbClr val="000000"/>
+              </a:solidFill>
+              <a:latin typeface="HY견고딕"/>
+              <a:ea typeface="HY견고딕"/>
+              <a:cs typeface="Vrinda"/>
+            </a:endParaRPr>
+          </a:p>
+          <a:p>
+            <a:pPr marL="0" lvl="0" indent="0" algn="ctr" defTabSz="871876" eaLnBrk="1" latinLnBrk="1" hangingPunct="1">
+              <a:lnSpc>
+                <a:spcPct val="100000"/>
+              </a:lnSpc>
+              <a:spcBef>
+                <a:spcPct val="0"/>
+              </a:spcBef>
+              <a:spcAft>
+                <a:spcPct val="0"/>
+              </a:spcAft>
+              <a:buClrTx/>
+              <a:buNone/>
+              <a:defRPr lang="ko-KR" altLang="en-US"/>
+            </a:pPr>
+            <a:endParaRPr lang="ko-KR" altLang="en-US" sz="1500" b="0" i="0" u="none">
+              <a:solidFill>
+                <a:srgbClr val="000000"/>
+              </a:solidFill>
+              <a:latin typeface="HY견고딕"/>
+              <a:ea typeface="HY견고딕"/>
+              <a:cs typeface="Vrinda"/>
+            </a:endParaRPr>
+          </a:p>
+        </p:txBody>
+      </p:sp>
+      <p:sp>
+        <p:nvSpPr>
+          <p:cNvPr id="6148" name="_x497122096"/>
+          <p:cNvSpPr>
+            <a:spLocks noChangeArrowheads="1"/>
+          </p:cNvSpPr>
+          <p:nvPr/>
+        </p:nvSpPr>
+        <p:spPr>
+          <a:xfrm>
+            <a:off x="1835696" y="3695427"/>
+            <a:ext cx="5643602" cy="1101725"/>
+          </a:xfrm>
+          <a:prstGeom prst="rect">
+            <a:avLst/>
+          </a:prstGeom>
+          <a:noFill/>
+          <a:ln w="9525">
+            <a:noFill/>
+            <a:miter/>
+          </a:ln>
+        </p:spPr>
+        <p:txBody>
+          <a:bodyPr vert="horz" wrap="square" lIns="91440" tIns="45720" rIns="91440" bIns="45720" anchor="ctr" anchorCtr="0"/>
+          <a:lstStyle/>
+          <a:p>
+            <a:pPr marL="0" lvl="0" indent="0" algn="ctr" defTabSz="844630" eaLnBrk="1" latinLnBrk="1" hangingPunct="1">
+              <a:lnSpc>
+                <a:spcPct val="100000"/>
+              </a:lnSpc>
+              <a:spcBef>
+                <a:spcPct val="0"/>
+              </a:spcBef>
+              <a:spcAft>
+                <a:spcPct val="0"/>
+              </a:spcAft>
+              <a:buClrTx/>
+              <a:buNone/>
+              <a:defRPr lang="ko-KR" altLang="en-US"/>
+            </a:pPr>
+            <a:endParaRPr lang="en-US" altLang="ko-KR" sz="1500" b="0" i="0" u="none">
+              <a:solidFill>
+                <a:srgbClr val="000000"/>
+              </a:solidFill>
+              <a:latin typeface="HY견고딕"/>
+              <a:ea typeface="HY견고딕"/>
+              <a:cs typeface="Vrinda"/>
+            </a:endParaRPr>
+          </a:p>
+          <a:p>
+            <a:pPr marL="0" lvl="0" indent="0" algn="ctr" defTabSz="844630" eaLnBrk="1" latinLnBrk="1" hangingPunct="1">
+              <a:lnSpc>
+                <a:spcPct val="100000"/>
+              </a:lnSpc>
+              <a:spcBef>
+                <a:spcPct val="0"/>
+              </a:spcBef>
+              <a:spcAft>
+                <a:spcPct val="0"/>
+              </a:spcAft>
+              <a:buClrTx/>
+              <a:buNone/>
+              <a:defRPr lang="ko-KR" altLang="en-US"/>
+            </a:pPr>
+            <a:r>
+              <a:rPr lang="ko-KR" altLang="en-US" sz="1500" b="0" i="0" u="none">
+                <a:solidFill>
+                  <a:srgbClr val="000000"/>
+                </a:solidFill>
+                <a:latin typeface="HY견고딕"/>
+                <a:ea typeface="HY견고딕"/>
+                <a:cs typeface="Vrinda"/>
+              </a:rPr>
+              <a:t>(한경종 웹 포트폴리오</a:t>
+            </a:r>
+            <a:r>
+              <a:rPr lang="en-US" altLang="ko-KR" sz="1500" b="0" i="0" u="none">
+                <a:solidFill>
+                  <a:srgbClr val="000000"/>
+                </a:solidFill>
+                <a:latin typeface="HY견고딕"/>
+                <a:ea typeface="HY견고딕"/>
+                <a:cs typeface="Vrinda"/>
+              </a:rPr>
+              <a:t> </a:t>
+            </a:r>
+            <a:r>
+              <a:rPr lang="ko-KR" altLang="en-US" sz="1500" b="0" i="0" u="none">
+                <a:solidFill>
+                  <a:srgbClr val="000000"/>
+                </a:solidFill>
+                <a:latin typeface="HY견고딕"/>
+                <a:ea typeface="HY견고딕"/>
+                <a:cs typeface="Vrinda"/>
+              </a:rPr>
+              <a:t>링크)</a:t>
+            </a:r>
+            <a:endParaRPr lang="ko-KR" altLang="en-US" sz="1500" b="0" i="0" u="none">
+              <a:solidFill>
+                <a:srgbClr val="000000"/>
+              </a:solidFill>
+              <a:latin typeface="HY견고딕"/>
+              <a:ea typeface="HY견고딕"/>
+              <a:cs typeface="Vrinda"/>
             </a:endParaRPr>
           </a:p>
         </p:txBody>
@@ -3924,13 +4090,7 @@
   <p:clrMapOvr>
     <a:masterClrMapping/>
   </p:clrMapOvr>
-  <p:timing>
-    <p:tnLst>
-      <p:par>
-        <p:cTn id="1" dur="indefinite" restart="never" nodeType="tmRoot"/>
-      </p:par>
-    </p:tnLst>
-  </p:timing>
+  <p:transition xmlns:mc="http://schemas.openxmlformats.org/markup-compatibility/2006" xmlns:hp="http://schemas.haansoft.com/office/presentation/8.0" mc:Ignorable="hp" hp:hslDur="500"/>
 </p:sld>
 </file>
 
